--- a/共享资源/「2018-11-09」朋友，你听过 VS Code 吗？.pptx
+++ b/共享资源/「2018-11-09」朋友，你听过 VS Code 吗？.pptx
@@ -5,10 +5,10 @@
     <p:sldMasterId id="2147483648" r:id="rId1"/>
   </p:sldMasterIdLst>
   <p:notesMasterIdLst>
-    <p:notesMasterId r:id="rId26"/>
+    <p:notesMasterId r:id="rId27"/>
   </p:notesMasterIdLst>
   <p:handoutMasterIdLst>
-    <p:handoutMasterId r:id="rId27"/>
+    <p:handoutMasterId r:id="rId28"/>
   </p:handoutMasterIdLst>
   <p:sldIdLst>
     <p:sldId id="379" r:id="rId2"/>
@@ -34,7 +34,8 @@
     <p:sldId id="416" r:id="rId22"/>
     <p:sldId id="406" r:id="rId23"/>
     <p:sldId id="424" r:id="rId24"/>
-    <p:sldId id="387" r:id="rId25"/>
+    <p:sldId id="425" r:id="rId25"/>
+    <p:sldId id="387" r:id="rId26"/>
   </p:sldIdLst>
   <p:sldSz cx="9144000" cy="6858000" type="screen4x3"/>
   <p:notesSz cx="7099300" cy="10234613"/>
@@ -3217,7 +3218,7 @@
                 <a:ea typeface="宋体" panose="02010600030101010101" pitchFamily="2" charset="-122"/>
                 <a:cs typeface="+mn-cs"/>
               </a:rPr>
-              <a:t>2019/3/25</a:t>
+              <a:t>2019/5/26</a:t>
             </a:fld>
             <a:endParaRPr kumimoji="0" lang="en-US" altLang="zh-CN" sz="1400" b="0" i="0" u="none" strike="noStrike" kern="1200" cap="none" spc="0" normalizeH="0" baseline="0" noProof="0">
               <a:ln>
@@ -4338,16 +4339,16 @@
           <a:p>
             <a:pPr algn="r"/>
             <a:r>
-              <a:rPr lang="zh-CN" altLang="en-US" sz="1800" dirty="0">
+              <a:rPr lang="zh-CN" altLang="en-US" sz="1800" dirty="0" smtClean="0">
                 <a:solidFill>
                   <a:schemeClr val="tx1"/>
                 </a:solidFill>
                 <a:latin typeface="微软雅黑" pitchFamily="34" charset="-122"/>
                 <a:ea typeface="微软雅黑" pitchFamily="34" charset="-122"/>
               </a:rPr>
-              <a:t>陈劲龙</a:t>
-            </a:r>
-            <a:endParaRPr lang="en-US" altLang="zh-CN" sz="1800" dirty="0">
+              <a:t>猫科龙</a:t>
+            </a:r>
+            <a:endParaRPr lang="en-US" altLang="zh-CN" sz="1800" dirty="0" smtClean="0">
               <a:solidFill>
                 <a:schemeClr val="tx1"/>
               </a:solidFill>
@@ -4358,7 +4359,7 @@
           <a:p>
             <a:pPr algn="r"/>
             <a:r>
-              <a:rPr lang="en-US" altLang="zh-CN" sz="1800" dirty="0">
+              <a:rPr lang="en-US" altLang="zh-CN" sz="1800" dirty="0" smtClean="0">
                 <a:solidFill>
                   <a:schemeClr val="tx1"/>
                 </a:solidFill>
@@ -6121,7 +6122,7 @@
         </p:nvGraphicFramePr>
         <p:xfrm>
           <a:off x="472632" y="6284168"/>
-          <a:ext cx="8275832" cy="410909"/>
+          <a:ext cx="8275832" cy="457200"/>
         </p:xfrm>
         <a:graphic>
           <a:graphicData uri="http://schemas.openxmlformats.org/drawingml/2006/table">
@@ -7553,19 +7554,7 @@
             <a:pPr lvl="1"/>
             <a:r>
               <a:rPr lang="zh-CN" altLang="en-US" dirty="0"/>
-              <a:t>作为 </a:t>
-            </a:r>
-            <a:r>
-              <a:rPr lang="en-US" altLang="zh-CN" dirty="0" err="1"/>
-              <a:t>XFtp</a:t>
-            </a:r>
-            <a:r>
-              <a:rPr lang="en-US" altLang="zh-CN" dirty="0"/>
-              <a:t> </a:t>
-            </a:r>
-            <a:r>
-              <a:rPr lang="zh-CN" altLang="en-US" dirty="0"/>
-              <a:t>默认编辑器</a:t>
+              <a:t>直接开发云端项目</a:t>
             </a:r>
             <a:endParaRPr lang="en-US" altLang="zh-CN" dirty="0"/>
           </a:p>
@@ -8817,10 +8806,538 @@
   <p:clrMapOvr>
     <a:masterClrMapping/>
   </p:clrMapOvr>
+  <p:timing>
+    <p:tnLst>
+      <p:par>
+        <p:cTn id="1" dur="indefinite" restart="never" nodeType="tmRoot"/>
+      </p:par>
+    </p:tnLst>
+  </p:timing>
 </p:sld>
 </file>
 
 <file path=ppt/slides/slide24.xml><?xml version="1.0" encoding="utf-8"?>
+<p:sld xmlns:a="http://schemas.openxmlformats.org/drawingml/2006/main" xmlns:r="http://schemas.openxmlformats.org/officeDocument/2006/relationships" xmlns:p="http://schemas.openxmlformats.org/presentationml/2006/main">
+  <p:cSld>
+    <p:spTree>
+      <p:nvGrpSpPr>
+        <p:cNvPr id="1" name=""/>
+        <p:cNvGrpSpPr/>
+        <p:nvPr/>
+      </p:nvGrpSpPr>
+      <p:grpSpPr>
+        <a:xfrm>
+          <a:off x="0" y="0"/>
+          <a:ext cx="0" cy="0"/>
+          <a:chOff x="0" y="0"/>
+          <a:chExt cx="0" cy="0"/>
+        </a:xfrm>
+      </p:grpSpPr>
+      <p:sp>
+        <p:nvSpPr>
+          <p:cNvPr id="2" name="灯片编号占位符 1"/>
+          <p:cNvSpPr>
+            <a:spLocks noGrp="1"/>
+          </p:cNvSpPr>
+          <p:nvPr>
+            <p:ph type="sldNum" sz="quarter" idx="12"/>
+          </p:nvPr>
+        </p:nvSpPr>
+        <p:spPr/>
+        <p:txBody>
+          <a:bodyPr/>
+          <a:lstStyle/>
+          <a:p>
+            <a:pPr>
+              <a:defRPr/>
+            </a:pPr>
+            <a:fld id="{6A90D09A-ED5D-47CC-A45F-D492BA9A6C1B}" type="slidenum">
+              <a:rPr lang="en-US" altLang="zh-CN" smtClean="0"/>
+              <a:pPr>
+                <a:defRPr/>
+              </a:pPr>
+              <a:t>24</a:t>
+            </a:fld>
+            <a:endParaRPr lang="en-US" altLang="zh-CN" dirty="0"/>
+          </a:p>
+        </p:txBody>
+      </p:sp>
+      <p:sp>
+        <p:nvSpPr>
+          <p:cNvPr id="4" name="内容占位符 3"/>
+          <p:cNvSpPr>
+            <a:spLocks noGrp="1"/>
+          </p:cNvSpPr>
+          <p:nvPr>
+            <p:ph idx="1"/>
+          </p:nvPr>
+        </p:nvSpPr>
+        <p:spPr>
+          <a:xfrm>
+            <a:off x="467544" y="1170112"/>
+            <a:ext cx="8229600" cy="5002459"/>
+          </a:xfrm>
+        </p:spPr>
+        <p:txBody>
+          <a:bodyPr/>
+          <a:lstStyle/>
+          <a:p>
+            <a:pPr marL="457200" lvl="1" indent="0">
+              <a:buNone/>
+            </a:pPr>
+            <a:endParaRPr lang="zh-CN" altLang="en-US" dirty="0"/>
+          </a:p>
+          <a:p>
+            <a:pPr lvl="1"/>
+            <a:endParaRPr lang="en-US" altLang="zh-CN" dirty="0"/>
+          </a:p>
+        </p:txBody>
+      </p:sp>
+      <p:sp>
+        <p:nvSpPr>
+          <p:cNvPr id="3" name="标题 2"/>
+          <p:cNvSpPr>
+            <a:spLocks noGrp="1"/>
+          </p:cNvSpPr>
+          <p:nvPr>
+            <p:ph type="title"/>
+          </p:nvPr>
+        </p:nvSpPr>
+        <p:spPr/>
+        <p:txBody>
+          <a:bodyPr/>
+          <a:lstStyle/>
+          <a:p>
+            <a:r>
+              <a:rPr lang="zh-CN" altLang="en-US" dirty="0"/>
+              <a:t>这太厉害了</a:t>
+            </a:r>
+            <a:endParaRPr lang="en-US" altLang="zh-CN" dirty="0"/>
+          </a:p>
+        </p:txBody>
+      </p:sp>
+      <p:sp>
+        <p:nvSpPr>
+          <p:cNvPr id="5" name="文本占位符 4"/>
+          <p:cNvSpPr>
+            <a:spLocks noGrp="1"/>
+          </p:cNvSpPr>
+          <p:nvPr>
+            <p:ph type="body" sz="quarter" idx="13"/>
+          </p:nvPr>
+        </p:nvSpPr>
+        <p:spPr/>
+        <p:txBody>
+          <a:bodyPr/>
+          <a:lstStyle/>
+          <a:p>
+            <a:pPr lvl="1"/>
+            <a:r>
+              <a:rPr lang="zh-CN" altLang="en-US" dirty="0" smtClean="0"/>
+              <a:t>直接开发云端项目</a:t>
+            </a:r>
+            <a:endParaRPr lang="en-US" altLang="zh-CN" dirty="0"/>
+          </a:p>
+        </p:txBody>
+      </p:sp>
+      <p:sp>
+        <p:nvSpPr>
+          <p:cNvPr id="8" name="内容占位符 3"/>
+          <p:cNvSpPr txBox="1">
+            <a:spLocks/>
+          </p:cNvSpPr>
+          <p:nvPr/>
+        </p:nvSpPr>
+        <p:spPr>
+          <a:xfrm>
+            <a:off x="467544" y="1170112"/>
+            <a:ext cx="8229600" cy="5244665"/>
+          </a:xfrm>
+          <a:prstGeom prst="rect">
+            <a:avLst/>
+          </a:prstGeom>
+          <a:noFill/>
+          <a:ln w="9525">
+            <a:noFill/>
+          </a:ln>
+        </p:spPr>
+        <p:txBody>
+          <a:bodyPr/>
+          <a:lstStyle>
+            <a:lvl1pPr marL="342900" indent="-342900" algn="l" rtl="0" eaLnBrk="0" fontAlgn="base" hangingPunct="0">
+              <a:lnSpc>
+                <a:spcPct val="150000"/>
+              </a:lnSpc>
+              <a:spcBef>
+                <a:spcPct val="20000"/>
+              </a:spcBef>
+              <a:spcAft>
+                <a:spcPct val="0"/>
+              </a:spcAft>
+              <a:buClr>
+                <a:srgbClr val="3366FF"/>
+              </a:buClr>
+              <a:buSzPct val="75000"/>
+              <a:buFont typeface="Wingdings" panose="05000000000000000000" pitchFamily="2" charset="2"/>
+              <a:buChar char="ª"/>
+              <a:defRPr kumimoji="1" sz="2000" b="0" i="0" kern="1200" baseline="0">
+                <a:solidFill>
+                  <a:schemeClr val="tx1"/>
+                </a:solidFill>
+                <a:latin typeface="Times New Roman" panose="02020603050405020304" pitchFamily="18" charset="0"/>
+                <a:ea typeface="微软雅黑" panose="020B0503020204020204" pitchFamily="34" charset="-122"/>
+                <a:cs typeface="+mn-cs"/>
+              </a:defRPr>
+            </a:lvl1pPr>
+            <a:lvl2pPr marL="742950" indent="-285750" algn="l" rtl="0" eaLnBrk="0" fontAlgn="base" hangingPunct="0">
+              <a:lnSpc>
+                <a:spcPct val="150000"/>
+              </a:lnSpc>
+              <a:spcBef>
+                <a:spcPts val="332"/>
+              </a:spcBef>
+              <a:spcAft>
+                <a:spcPct val="0"/>
+              </a:spcAft>
+              <a:buClr>
+                <a:srgbClr val="990033"/>
+              </a:buClr>
+              <a:buSzPct val="80000"/>
+              <a:buFont typeface="Wingdings" panose="05000000000000000000" pitchFamily="2" charset="2"/>
+              <a:buChar char="Ø"/>
+              <a:defRPr sz="1800" b="0" i="0" kern="1200" baseline="0">
+                <a:solidFill>
+                  <a:schemeClr val="tx1"/>
+                </a:solidFill>
+                <a:latin typeface="Times New Roman" panose="02020603050405020304" pitchFamily="18" charset="0"/>
+                <a:ea typeface="微软雅黑" panose="020B0503020204020204" pitchFamily="34" charset="-122"/>
+                <a:cs typeface="+mn-cs"/>
+              </a:defRPr>
+            </a:lvl2pPr>
+            <a:lvl3pPr marL="1143000" indent="-228600" algn="l" rtl="0" eaLnBrk="0" fontAlgn="base" hangingPunct="0">
+              <a:spcBef>
+                <a:spcPts val="332"/>
+              </a:spcBef>
+              <a:spcAft>
+                <a:spcPct val="0"/>
+              </a:spcAft>
+              <a:buClr>
+                <a:srgbClr val="FF0000"/>
+              </a:buClr>
+              <a:buChar char="•"/>
+              <a:defRPr sz="1800" b="0" i="0" kern="1200" baseline="0">
+                <a:solidFill>
+                  <a:schemeClr val="tx1"/>
+                </a:solidFill>
+                <a:latin typeface="Times New Roman" panose="02020603050405020304" pitchFamily="18" charset="0"/>
+                <a:ea typeface="微软雅黑" panose="020B0503020204020204" pitchFamily="34" charset="-122"/>
+                <a:cs typeface="+mn-cs"/>
+              </a:defRPr>
+            </a:lvl3pPr>
+            <a:lvl4pPr marL="1600200" indent="-228600" algn="l" rtl="0" eaLnBrk="0" fontAlgn="base" hangingPunct="0">
+              <a:spcBef>
+                <a:spcPts val="332"/>
+              </a:spcBef>
+              <a:spcAft>
+                <a:spcPct val="0"/>
+              </a:spcAft>
+              <a:buChar char="–"/>
+              <a:defRPr sz="1800" b="0" i="0" kern="1200" baseline="0">
+                <a:solidFill>
+                  <a:schemeClr val="tx1"/>
+                </a:solidFill>
+                <a:latin typeface="Times New Roman" panose="02020603050405020304" pitchFamily="18" charset="0"/>
+                <a:ea typeface="微软雅黑" panose="020B0503020204020204" pitchFamily="34" charset="-122"/>
+                <a:cs typeface="+mn-cs"/>
+              </a:defRPr>
+            </a:lvl4pPr>
+            <a:lvl5pPr marL="2057400" indent="-228600" algn="l" rtl="0" eaLnBrk="0" fontAlgn="base" hangingPunct="0">
+              <a:spcBef>
+                <a:spcPts val="332"/>
+              </a:spcBef>
+              <a:spcAft>
+                <a:spcPct val="0"/>
+              </a:spcAft>
+              <a:buChar char="»"/>
+              <a:defRPr sz="1800" b="0" i="0" kern="1200" baseline="0">
+                <a:solidFill>
+                  <a:schemeClr val="tx1"/>
+                </a:solidFill>
+                <a:latin typeface="Times New Roman" panose="02020603050405020304" pitchFamily="18" charset="0"/>
+                <a:ea typeface="微软雅黑" panose="020B0503020204020204" pitchFamily="34" charset="-122"/>
+                <a:cs typeface="+mn-cs"/>
+              </a:defRPr>
+            </a:lvl5pPr>
+            <a:lvl6pPr marL="2514600" indent="-228600" algn="l" defTabSz="914400" rtl="0" eaLnBrk="1" latinLnBrk="0" hangingPunct="1">
+              <a:lnSpc>
+                <a:spcPct val="90000"/>
+              </a:lnSpc>
+              <a:spcBef>
+                <a:spcPts val="500"/>
+              </a:spcBef>
+              <a:buFont typeface="Arial" panose="020B0604020202020204" pitchFamily="34" charset="0"/>
+              <a:buChar char="•"/>
+              <a:defRPr sz="1800" kern="1200">
+                <a:solidFill>
+                  <a:schemeClr val="tx1"/>
+                </a:solidFill>
+                <a:latin typeface="+mn-lt"/>
+                <a:ea typeface="+mn-ea"/>
+                <a:cs typeface="+mn-cs"/>
+              </a:defRPr>
+            </a:lvl6pPr>
+            <a:lvl7pPr marL="2971800" indent="-228600" algn="l" defTabSz="914400" rtl="0" eaLnBrk="1" latinLnBrk="0" hangingPunct="1">
+              <a:lnSpc>
+                <a:spcPct val="90000"/>
+              </a:lnSpc>
+              <a:spcBef>
+                <a:spcPts val="500"/>
+              </a:spcBef>
+              <a:buFont typeface="Arial" panose="020B0604020202020204" pitchFamily="34" charset="0"/>
+              <a:buChar char="•"/>
+              <a:defRPr sz="1800" kern="1200">
+                <a:solidFill>
+                  <a:schemeClr val="tx1"/>
+                </a:solidFill>
+                <a:latin typeface="+mn-lt"/>
+                <a:ea typeface="+mn-ea"/>
+                <a:cs typeface="+mn-cs"/>
+              </a:defRPr>
+            </a:lvl7pPr>
+            <a:lvl8pPr marL="3429000" indent="-228600" algn="l" defTabSz="914400" rtl="0" eaLnBrk="1" latinLnBrk="0" hangingPunct="1">
+              <a:lnSpc>
+                <a:spcPct val="90000"/>
+              </a:lnSpc>
+              <a:spcBef>
+                <a:spcPts val="500"/>
+              </a:spcBef>
+              <a:buFont typeface="Arial" panose="020B0604020202020204" pitchFamily="34" charset="0"/>
+              <a:buChar char="•"/>
+              <a:defRPr sz="1800" kern="1200">
+                <a:solidFill>
+                  <a:schemeClr val="tx1"/>
+                </a:solidFill>
+                <a:latin typeface="+mn-lt"/>
+                <a:ea typeface="+mn-ea"/>
+                <a:cs typeface="+mn-cs"/>
+              </a:defRPr>
+            </a:lvl8pPr>
+            <a:lvl9pPr marL="3886200" indent="-228600" algn="l" defTabSz="914400" rtl="0" eaLnBrk="1" latinLnBrk="0" hangingPunct="1">
+              <a:lnSpc>
+                <a:spcPct val="90000"/>
+              </a:lnSpc>
+              <a:spcBef>
+                <a:spcPts val="500"/>
+              </a:spcBef>
+              <a:buFont typeface="Arial" panose="020B0604020202020204" pitchFamily="34" charset="0"/>
+              <a:buChar char="•"/>
+              <a:defRPr sz="1800" kern="1200">
+                <a:solidFill>
+                  <a:schemeClr val="tx1"/>
+                </a:solidFill>
+                <a:latin typeface="+mn-lt"/>
+                <a:ea typeface="+mn-ea"/>
+                <a:cs typeface="+mn-cs"/>
+              </a:defRPr>
+            </a:lvl9pPr>
+          </a:lstStyle>
+          <a:p>
+            <a:r>
+              <a:rPr lang="zh-CN" altLang="en-US" dirty="0" smtClean="0"/>
+              <a:t>利用直接开发部署在远程机器上的项目，</a:t>
+            </a:r>
+            <a:r>
+              <a:rPr lang="zh-CN" altLang="en-US" dirty="0"/>
+              <a:t>使用包括 </a:t>
+            </a:r>
+            <a:r>
+              <a:rPr lang="en-US" altLang="zh-CN" dirty="0"/>
+              <a:t>IntelliSense (completions)</a:t>
+            </a:r>
+            <a:r>
+              <a:rPr lang="zh-CN" altLang="en-US" dirty="0"/>
+              <a:t>、</a:t>
+            </a:r>
+            <a:r>
+              <a:rPr lang="en-US" altLang="zh-CN" dirty="0"/>
+              <a:t>code navigation </a:t>
+            </a:r>
+            <a:r>
+              <a:rPr lang="zh-CN" altLang="en-US" dirty="0"/>
+              <a:t>及 </a:t>
+            </a:r>
+            <a:r>
+              <a:rPr lang="en-US" altLang="zh-CN" dirty="0"/>
+              <a:t>debugging </a:t>
+            </a:r>
+            <a:r>
+              <a:rPr lang="zh-CN" altLang="en-US" dirty="0"/>
+              <a:t>在内的各种</a:t>
+            </a:r>
+            <a:r>
+              <a:rPr lang="zh-CN" altLang="en-US" dirty="0" smtClean="0"/>
+              <a:t>功能。</a:t>
+            </a:r>
+            <a:endParaRPr lang="en-US" altLang="zh-CN" dirty="0"/>
+          </a:p>
+        </p:txBody>
+      </p:sp>
+      <p:pic>
+        <p:nvPicPr>
+          <p:cNvPr id="11" name="图片 10"/>
+          <p:cNvPicPr>
+            <a:picLocks noChangeAspect="1"/>
+          </p:cNvPicPr>
+          <p:nvPr/>
+        </p:nvPicPr>
+        <p:blipFill>
+          <a:blip r:embed="rId2"/>
+          <a:stretch>
+            <a:fillRect/>
+          </a:stretch>
+        </p:blipFill>
+        <p:spPr>
+          <a:xfrm>
+            <a:off x="1279675" y="2212498"/>
+            <a:ext cx="6661746" cy="4015872"/>
+          </a:xfrm>
+          <a:prstGeom prst="rect">
+            <a:avLst/>
+          </a:prstGeom>
+        </p:spPr>
+      </p:pic>
+      <p:graphicFrame>
+        <p:nvGraphicFramePr>
+          <p:cNvPr id="12" name="表格 11"/>
+          <p:cNvGraphicFramePr>
+            <a:graphicFrameLocks noGrp="1"/>
+          </p:cNvGraphicFramePr>
+          <p:nvPr>
+            <p:extLst>
+              <p:ext uri="{D42A27DB-BD31-4B8C-83A1-F6EECF244321}">
+                <p14:modId xmlns:p14="http://schemas.microsoft.com/office/powerpoint/2010/main" val="2869556337"/>
+              </p:ext>
+            </p:extLst>
+          </p:nvPr>
+        </p:nvGraphicFramePr>
+        <p:xfrm>
+          <a:off x="472632" y="6284168"/>
+          <a:ext cx="8275832" cy="410909"/>
+        </p:xfrm>
+        <a:graphic>
+          <a:graphicData uri="http://schemas.openxmlformats.org/drawingml/2006/table">
+            <a:tbl>
+              <a:tblPr firstRow="1" bandRow="1">
+                <a:tableStyleId>{2D5ABB26-0587-4C30-8999-92F81FD0307C}</a:tableStyleId>
+              </a:tblPr>
+              <a:tblGrid>
+                <a:gridCol w="8275832">
+                  <a:extLst>
+                    <a:ext uri="{9D8B030D-6E8A-4147-A177-3AD203B41FA5}">
+                      <a16:colId xmlns:a16="http://schemas.microsoft.com/office/drawing/2014/main" val="4083140909"/>
+                    </a:ext>
+                  </a:extLst>
+                </a:gridCol>
+              </a:tblGrid>
+              <a:tr h="360040">
+                <a:tc>
+                  <a:txBody>
+                    <a:bodyPr/>
+                    <a:lstStyle/>
+                    <a:p>
+                      <a:pPr marL="0" marR="0" lvl="1" indent="0" algn="l" defTabSz="914400" rtl="0" eaLnBrk="1" fontAlgn="auto" latinLnBrk="0" hangingPunct="1">
+                        <a:lnSpc>
+                          <a:spcPct val="150000"/>
+                        </a:lnSpc>
+                        <a:spcBef>
+                          <a:spcPts val="0"/>
+                        </a:spcBef>
+                        <a:spcAft>
+                          <a:spcPts val="0"/>
+                        </a:spcAft>
+                        <a:buClrTx/>
+                        <a:buSzTx/>
+                        <a:buFontTx/>
+                        <a:buNone/>
+                        <a:tabLst/>
+                        <a:defRPr/>
+                      </a:pPr>
+                      <a:r>
+                        <a:rPr lang="zh-CN" altLang="en-US" sz="1600" b="0" dirty="0">
+                          <a:latin typeface="Times New Roman" panose="02020603050405020304" pitchFamily="18" charset="0"/>
+                          <a:cs typeface="Times New Roman" panose="02020603050405020304" pitchFamily="18" charset="0"/>
+                        </a:rPr>
+                        <a:t>详情参考</a:t>
+                      </a:r>
+                      <a:r>
+                        <a:rPr lang="zh-CN" altLang="en-US" sz="1600" b="0" dirty="0" smtClean="0">
+                          <a:latin typeface="Times New Roman" panose="02020603050405020304" pitchFamily="18" charset="0"/>
+                          <a:cs typeface="Times New Roman" panose="02020603050405020304" pitchFamily="18" charset="0"/>
+                        </a:rPr>
+                        <a:t>：</a:t>
+                      </a:r>
+                      <a:r>
+                        <a:rPr lang="en-US" altLang="zh-CN" sz="1600" b="0" dirty="0" smtClean="0">
+                          <a:latin typeface="Times New Roman" panose="02020603050405020304" pitchFamily="18" charset="0"/>
+                          <a:cs typeface="Times New Roman" panose="02020603050405020304" pitchFamily="18" charset="0"/>
+                        </a:rPr>
+                        <a:t>https://blog.csdn.net/maokelong95/article/details/90321794</a:t>
+                      </a:r>
+                      <a:endParaRPr lang="en-US" altLang="zh-CN" sz="1600" b="0" kern="1200" dirty="0">
+                        <a:solidFill>
+                          <a:schemeClr val="tx1"/>
+                        </a:solidFill>
+                        <a:latin typeface="Times New Roman" panose="02020603050405020304" pitchFamily="18" charset="0"/>
+                        <a:ea typeface="+mn-ea"/>
+                        <a:cs typeface="Times New Roman" panose="02020603050405020304" pitchFamily="18" charset="0"/>
+                      </a:endParaRPr>
+                    </a:p>
+                  </a:txBody>
+                  <a:tcPr marL="234000" anchor="ctr">
+                    <a:lnL w="38100" cap="flat" cmpd="sng" algn="ctr">
+                      <a:solidFill>
+                        <a:schemeClr val="bg1">
+                          <a:lumMod val="50000"/>
+                        </a:schemeClr>
+                      </a:solidFill>
+                      <a:prstDash val="solid"/>
+                      <a:round/>
+                      <a:headEnd type="none" w="med" len="med"/>
+                      <a:tailEnd type="none" w="med" len="med"/>
+                    </a:lnL>
+                  </a:tcPr>
+                </a:tc>
+                <a:extLst>
+                  <a:ext uri="{0D108BD9-81ED-4DB2-BD59-A6C34878D82A}">
+                    <a16:rowId xmlns:a16="http://schemas.microsoft.com/office/drawing/2014/main" val="1253214220"/>
+                  </a:ext>
+                </a:extLst>
+              </a:tr>
+            </a:tbl>
+          </a:graphicData>
+        </a:graphic>
+      </p:graphicFrame>
+    </p:spTree>
+    <p:extLst>
+      <p:ext uri="{BB962C8B-B14F-4D97-AF65-F5344CB8AC3E}">
+        <p14:creationId xmlns:p14="http://schemas.microsoft.com/office/powerpoint/2010/main" val="722542213"/>
+      </p:ext>
+    </p:extLst>
+  </p:cSld>
+  <p:clrMapOvr>
+    <a:masterClrMapping/>
+  </p:clrMapOvr>
+  <p:timing>
+    <p:tnLst>
+      <p:par>
+        <p:cTn id="1" dur="indefinite" restart="never" nodeType="tmRoot"/>
+      </p:par>
+    </p:tnLst>
+  </p:timing>
+</p:sld>
+</file>
+
+<file path=ppt/slides/slide25.xml><?xml version="1.0" encoding="utf-8"?>
 <p:sld xmlns:a="http://schemas.openxmlformats.org/drawingml/2006/main" xmlns:r="http://schemas.openxmlformats.org/officeDocument/2006/relationships" xmlns:p="http://schemas.openxmlformats.org/presentationml/2006/main">
   <p:cSld>
     <p:spTree>
@@ -8975,6 +9492,13 @@
   <p:clrMapOvr>
     <a:masterClrMapping/>
   </p:clrMapOvr>
+  <p:timing>
+    <p:tnLst>
+      <p:par>
+        <p:cTn id="1" dur="indefinite" restart="never" nodeType="tmRoot"/>
+      </p:par>
+    </p:tnLst>
+  </p:timing>
 </p:sld>
 </file>
 
@@ -9140,7 +9664,7 @@
         </p:nvGraphicFramePr>
         <p:xfrm>
           <a:off x="472632" y="6172571"/>
-          <a:ext cx="8275832" cy="410909"/>
+          <a:ext cx="8275832" cy="457200"/>
         </p:xfrm>
         <a:graphic>
           <a:graphicData uri="http://schemas.openxmlformats.org/drawingml/2006/table">
@@ -9513,7 +10037,7 @@
         </p:nvGraphicFramePr>
         <p:xfrm>
           <a:off x="472632" y="6172571"/>
-          <a:ext cx="8275832" cy="410909"/>
+          <a:ext cx="8275832" cy="457200"/>
         </p:xfrm>
         <a:graphic>
           <a:graphicData uri="http://schemas.openxmlformats.org/drawingml/2006/table">

--- a/共享资源/「2018-11-09」朋友，你听过 VS Code 吗？.pptx
+++ b/共享资源/「2018-11-09」朋友，你听过 VS Code 吗？.pptx
@@ -3218,7 +3218,7 @@
                 <a:ea typeface="宋体" panose="02010600030101010101" pitchFamily="2" charset="-122"/>
                 <a:cs typeface="+mn-cs"/>
               </a:rPr>
-              <a:t>2019/5/26</a:t>
+              <a:t>2019/6/13</a:t>
             </a:fld>
             <a:endParaRPr kumimoji="0" lang="en-US" altLang="zh-CN" sz="1400" b="0" i="0" u="none" strike="noStrike" kern="1200" cap="none" spc="0" normalizeH="0" baseline="0" noProof="0">
               <a:ln>
@@ -4339,7 +4339,7 @@
           <a:p>
             <a:pPr algn="r"/>
             <a:r>
-              <a:rPr lang="zh-CN" altLang="en-US" sz="1800" dirty="0" smtClean="0">
+              <a:rPr lang="zh-CN" altLang="en-US" sz="1800" dirty="0">
                 <a:solidFill>
                   <a:schemeClr val="tx1"/>
                 </a:solidFill>
@@ -4348,7 +4348,7 @@
               </a:rPr>
               <a:t>猫科龙</a:t>
             </a:r>
-            <a:endParaRPr lang="en-US" altLang="zh-CN" sz="1800" dirty="0" smtClean="0">
+            <a:endParaRPr lang="en-US" altLang="zh-CN" sz="1800" dirty="0">
               <a:solidFill>
                 <a:schemeClr val="tx1"/>
               </a:solidFill>
@@ -4359,7 +4359,7 @@
           <a:p>
             <a:pPr algn="r"/>
             <a:r>
-              <a:rPr lang="en-US" altLang="zh-CN" sz="1800" dirty="0" smtClean="0">
+              <a:rPr lang="en-US" altLang="zh-CN" sz="1800" dirty="0">
                 <a:solidFill>
                   <a:schemeClr val="tx1"/>
                 </a:solidFill>
@@ -8806,13 +8806,6 @@
   <p:clrMapOvr>
     <a:masterClrMapping/>
   </p:clrMapOvr>
-  <p:timing>
-    <p:tnLst>
-      <p:par>
-        <p:cTn id="1" dur="indefinite" restart="never" nodeType="tmRoot"/>
-      </p:par>
-    </p:tnLst>
-  </p:timing>
 </p:sld>
 </file>
 
@@ -8933,7 +8926,7 @@
           <a:p>
             <a:pPr lvl="1"/>
             <a:r>
-              <a:rPr lang="zh-CN" altLang="en-US" dirty="0" smtClean="0"/>
+              <a:rPr lang="zh-CN" altLang="en-US" dirty="0"/>
               <a:t>直接开发云端项目</a:t>
             </a:r>
             <a:endParaRPr lang="en-US" altLang="zh-CN" dirty="0"/>
@@ -9143,12 +9136,8 @@
           </a:lstStyle>
           <a:p>
             <a:r>
-              <a:rPr lang="zh-CN" altLang="en-US" dirty="0" smtClean="0"/>
-              <a:t>利用直接开发部署在远程机器上的项目，</a:t>
-            </a:r>
-            <a:r>
-              <a:rPr lang="zh-CN" altLang="en-US" dirty="0"/>
-              <a:t>使用包括 </a:t>
+              <a:rPr lang="zh-CN" altLang="en-US" dirty="0"/>
+              <a:t>利用直接开发部署在远程机器上的项目，使用包括 </a:t>
             </a:r>
             <a:r>
               <a:rPr lang="en-US" altLang="zh-CN" dirty="0"/>
@@ -9172,11 +9161,7 @@
             </a:r>
             <a:r>
               <a:rPr lang="zh-CN" altLang="en-US" dirty="0"/>
-              <a:t>在内的各种</a:t>
-            </a:r>
-            <a:r>
-              <a:rPr lang="zh-CN" altLang="en-US" dirty="0" smtClean="0"/>
-              <a:t>功能。</a:t>
+              <a:t>在内的各种功能。</a:t>
             </a:r>
             <a:endParaRPr lang="en-US" altLang="zh-CN" dirty="0"/>
           </a:p>
@@ -9215,7 +9200,7 @@
           <p:nvPr>
             <p:extLst>
               <p:ext uri="{D42A27DB-BD31-4B8C-83A1-F6EECF244321}">
-                <p14:modId xmlns:p14="http://schemas.microsoft.com/office/powerpoint/2010/main" val="2869556337"/>
+                <p14:modId xmlns:p14="http://schemas.microsoft.com/office/powerpoint/2010/main" val="3856598012"/>
               </p:ext>
             </p:extLst>
           </p:nvPr>
@@ -9267,21 +9252,21 @@
                           <a:latin typeface="Times New Roman" panose="02020603050405020304" pitchFamily="18" charset="0"/>
                           <a:cs typeface="Times New Roman" panose="02020603050405020304" pitchFamily="18" charset="0"/>
                         </a:rPr>
-                        <a:t>详情参考</a:t>
+                        <a:t>详情参考：</a:t>
                       </a:r>
                       <a:r>
-                        <a:rPr lang="zh-CN" altLang="en-US" sz="1600" b="0" dirty="0" smtClean="0">
+                        <a:rPr lang="en-US" altLang="zh-CN" sz="1600" b="0" dirty="0">
                           <a:latin typeface="Times New Roman" panose="02020603050405020304" pitchFamily="18" charset="0"/>
                           <a:cs typeface="Times New Roman" panose="02020603050405020304" pitchFamily="18" charset="0"/>
                         </a:rPr>
-                        <a:t>：</a:t>
+                        <a:t>https://blog.csdn.net/maokelong95/article/</a:t>
                       </a:r>
                       <a:r>
-                        <a:rPr lang="en-US" altLang="zh-CN" sz="1600" b="0" dirty="0" smtClean="0">
+                        <a:rPr lang="en-US" altLang="zh-CN" sz="1600" b="0">
                           <a:latin typeface="Times New Roman" panose="02020603050405020304" pitchFamily="18" charset="0"/>
                           <a:cs typeface="Times New Roman" panose="02020603050405020304" pitchFamily="18" charset="0"/>
                         </a:rPr>
-                        <a:t>https://blog.csdn.net/maokelong95/article/details/90321794</a:t>
+                        <a:t>details/91801944</a:t>
                       </a:r>
                       <a:endParaRPr lang="en-US" altLang="zh-CN" sz="1600" b="0" kern="1200" dirty="0">
                         <a:solidFill>
@@ -9327,13 +9312,6 @@
   <p:clrMapOvr>
     <a:masterClrMapping/>
   </p:clrMapOvr>
-  <p:timing>
-    <p:tnLst>
-      <p:par>
-        <p:cTn id="1" dur="indefinite" restart="never" nodeType="tmRoot"/>
-      </p:par>
-    </p:tnLst>
-  </p:timing>
 </p:sld>
 </file>
 
@@ -9492,13 +9470,6 @@
   <p:clrMapOvr>
     <a:masterClrMapping/>
   </p:clrMapOvr>
-  <p:timing>
-    <p:tnLst>
-      <p:par>
-        <p:cTn id="1" dur="indefinite" restart="never" nodeType="tmRoot"/>
-      </p:par>
-    </p:tnLst>
-  </p:timing>
 </p:sld>
 </file>
 

--- a/共享资源/「2018-11-09」朋友，你听过 VS Code 吗？.pptx
+++ b/共享资源/「2018-11-09」朋友，你听过 VS Code 吗？.pptx
@@ -3218,7 +3218,7 @@
                 <a:ea typeface="宋体" panose="02010600030101010101" pitchFamily="2" charset="-122"/>
                 <a:cs typeface="+mn-cs"/>
               </a:rPr>
-              <a:t>2019/6/13</a:t>
+              <a:t>2019/9/6</a:t>
             </a:fld>
             <a:endParaRPr kumimoji="0" lang="en-US" altLang="zh-CN" sz="1400" b="0" i="0" u="none" strike="noStrike" kern="1200" cap="none" spc="0" normalizeH="0" baseline="0" noProof="0">
               <a:ln>
@@ -4440,20 +4440,24 @@
           <a:p>
             <a:pPr lvl="1"/>
             <a:r>
-              <a:rPr lang="zh-CN" altLang="en-US" dirty="0"/>
-              <a:t>或：</a:t>
-            </a:r>
-            <a:r>
-              <a:rPr lang="en-US" altLang="zh-CN" dirty="0" err="1"/>
-              <a:t>Alt+Shift</a:t>
-            </a:r>
-            <a:r>
               <a:rPr lang="en-US" altLang="zh-CN" dirty="0"/>
-              <a:t>+</a:t>
+              <a:t>Alt + Shift + </a:t>
             </a:r>
             <a:r>
               <a:rPr lang="zh-CN" altLang="en-US" dirty="0"/>
               <a:t>鼠标左键框选</a:t>
+            </a:r>
+            <a:endParaRPr lang="en-US" altLang="zh-CN" dirty="0"/>
+          </a:p>
+          <a:p>
+            <a:pPr lvl="1"/>
+            <a:r>
+              <a:rPr lang="en-US" altLang="zh-CN" dirty="0"/>
+              <a:t>Alt + </a:t>
+            </a:r>
+            <a:r>
+              <a:rPr lang="zh-CN" altLang="en-US" dirty="0"/>
+              <a:t>鼠标左键点选</a:t>
             </a:r>
             <a:endParaRPr lang="en-US" altLang="zh-CN" dirty="0"/>
           </a:p>
@@ -4614,7 +4618,7 @@
         </p:blipFill>
         <p:spPr>
           <a:xfrm>
-            <a:off x="1331640" y="4398405"/>
+            <a:off x="1331640" y="4830453"/>
             <a:ext cx="3312368" cy="542763"/>
           </a:xfrm>
           <a:prstGeom prst="rect">
@@ -4638,7 +4642,7 @@
         </p:blipFill>
         <p:spPr>
           <a:xfrm>
-            <a:off x="1348839" y="5310573"/>
+            <a:off x="1348839" y="5742621"/>
             <a:ext cx="3247619" cy="723810"/>
           </a:xfrm>
           <a:prstGeom prst="rect">
@@ -4662,7 +4666,7 @@
         </p:blipFill>
         <p:spPr>
           <a:xfrm>
-            <a:off x="1331640" y="3501008"/>
+            <a:off x="1331640" y="3933056"/>
             <a:ext cx="2971429" cy="600000"/>
           </a:xfrm>
           <a:prstGeom prst="rect">
@@ -5277,6 +5281,18 @@
             <a:endParaRPr lang="en-US" altLang="zh-CN" dirty="0"/>
           </a:p>
           <a:p>
+            <a:pPr lvl="1"/>
+            <a:r>
+              <a:rPr lang="en-US" altLang="zh-CN" dirty="0"/>
+              <a:t>Ctrl + Shit + ` </a:t>
+            </a:r>
+            <a:r>
+              <a:rPr lang="zh-CN" altLang="en-US" dirty="0"/>
+              <a:t>新建终端</a:t>
+            </a:r>
+            <a:endParaRPr lang="en-US" altLang="zh-CN" dirty="0"/>
+          </a:p>
+          <a:p>
             <a:r>
               <a:rPr lang="zh-CN" altLang="en-US" dirty="0"/>
               <a:t>一次成功的示例</a:t>
@@ -5399,7 +5415,7 @@
         </p:blipFill>
         <p:spPr>
           <a:xfrm>
-            <a:off x="971600" y="3284984"/>
+            <a:off x="1331640" y="3665784"/>
             <a:ext cx="5866667" cy="2019048"/>
           </a:xfrm>
           <a:prstGeom prst="rect">
@@ -5416,7 +5432,7 @@
           <p:nvPr>
             <p:extLst>
               <p:ext uri="{D42A27DB-BD31-4B8C-83A1-F6EECF244321}">
-                <p14:modId xmlns:p14="http://schemas.microsoft.com/office/powerpoint/2010/main" val="4176625144"/>
+                <p14:modId xmlns:p14="http://schemas.microsoft.com/office/powerpoint/2010/main" val="1452781105"/>
               </p:ext>
             </p:extLst>
           </p:nvPr>
@@ -5451,152 +5467,66 @@
                           <a:latin typeface="Times New Roman" panose="02020603050405020304" pitchFamily="18" charset="0"/>
                           <a:cs typeface="Times New Roman" panose="02020603050405020304" pitchFamily="18" charset="0"/>
                         </a:rPr>
-                        <a:t>注：为了将内置终端修改为 </a:t>
+                        <a:t>注：</a:t>
                       </a:r>
                       <a:r>
                         <a:rPr lang="en-US" altLang="zh-CN" sz="1600" b="0" dirty="0">
                           <a:latin typeface="Times New Roman" panose="02020603050405020304" pitchFamily="18" charset="0"/>
                           <a:cs typeface="Times New Roman" panose="02020603050405020304" pitchFamily="18" charset="0"/>
                         </a:rPr>
-                        <a:t>WSL</a:t>
+                        <a:t>v1.35 </a:t>
                       </a:r>
                       <a:r>
                         <a:rPr lang="zh-CN" altLang="en-US" sz="1600" b="0" dirty="0">
                           <a:latin typeface="Times New Roman" panose="02020603050405020304" pitchFamily="18" charset="0"/>
                           <a:cs typeface="Times New Roman" panose="02020603050405020304" pitchFamily="18" charset="0"/>
                         </a:rPr>
-                        <a:t>，需要添加如下设置：</a:t>
+                        <a:t>开始，可以直接在 </a:t>
                       </a:r>
-                      <a:endParaRPr lang="en-US" altLang="zh-CN" dirty="0">
-                        <a:solidFill>
-                          <a:srgbClr val="333333"/>
-                        </a:solidFill>
-                        <a:latin typeface="Consolas" panose="020B0609020204030204" pitchFamily="49" charset="0"/>
+                      <a:r>
+                        <a:rPr lang="en-US" altLang="zh-CN" sz="1600" b="0" dirty="0">
+                          <a:latin typeface="Times New Roman" panose="02020603050405020304" pitchFamily="18" charset="0"/>
+                          <a:cs typeface="Times New Roman" panose="02020603050405020304" pitchFamily="18" charset="0"/>
+                        </a:rPr>
+                        <a:t>GUI</a:t>
+                      </a:r>
+                      <a:r>
+                        <a:rPr lang="zh-CN" altLang="en-US" sz="1600" b="0" dirty="0">
+                          <a:latin typeface="Times New Roman" panose="02020603050405020304" pitchFamily="18" charset="0"/>
+                          <a:cs typeface="Times New Roman" panose="02020603050405020304" pitchFamily="18" charset="0"/>
+                        </a:rPr>
+                        <a:t>（而非修改 </a:t>
+                      </a:r>
+                      <a:r>
+                        <a:rPr lang="en-US" altLang="zh-CN" sz="1600" b="0" dirty="0">
+                          <a:latin typeface="Times New Roman" panose="02020603050405020304" pitchFamily="18" charset="0"/>
+                          <a:cs typeface="Times New Roman" panose="02020603050405020304" pitchFamily="18" charset="0"/>
+                        </a:rPr>
+                        <a:t>json </a:t>
+                      </a:r>
+                      <a:r>
+                        <a:rPr lang="zh-CN" altLang="en-US" sz="1600" b="0" dirty="0">
+                          <a:latin typeface="Times New Roman" panose="02020603050405020304" pitchFamily="18" charset="0"/>
+                          <a:cs typeface="Times New Roman" panose="02020603050405020304" pitchFamily="18" charset="0"/>
+                        </a:rPr>
+                        <a:t>配置）</a:t>
+                      </a:r>
+                      <a:endParaRPr lang="en-US" altLang="zh-CN" sz="1600" b="0" dirty="0">
+                        <a:latin typeface="Times New Roman" panose="02020603050405020304" pitchFamily="18" charset="0"/>
+                        <a:cs typeface="Times New Roman" panose="02020603050405020304" pitchFamily="18" charset="0"/>
                       </a:endParaRPr>
                     </a:p>
                     <a:p>
                       <a:r>
-                        <a:rPr lang="en-US" altLang="zh-CN" sz="1600" dirty="0">
-                          <a:solidFill>
-                            <a:srgbClr val="777777"/>
-                          </a:solidFill>
-                          <a:latin typeface="Consolas" panose="020B0609020204030204" pitchFamily="49" charset="0"/>
+                        <a:rPr lang="zh-CN" altLang="en-US" sz="1600" b="0" dirty="0">
+                          <a:latin typeface="Times New Roman" panose="02020603050405020304" pitchFamily="18" charset="0"/>
+                          <a:cs typeface="Times New Roman" panose="02020603050405020304" pitchFamily="18" charset="0"/>
                         </a:rPr>
-                        <a:t>"</a:t>
+                        <a:t>地选择默认终端，你仅需如右图所示操作即可：</a:t>
                       </a:r>
-                      <a:r>
-                        <a:rPr lang="en-US" altLang="zh-CN" sz="1600" dirty="0" err="1">
-                          <a:solidFill>
-                            <a:srgbClr val="9C5D27"/>
-                          </a:solidFill>
-                          <a:latin typeface="Consolas" panose="020B0609020204030204" pitchFamily="49" charset="0"/>
-                        </a:rPr>
-                        <a:t>terminal.integrated.shell.windows</a:t>
-                      </a:r>
-                      <a:r>
-                        <a:rPr lang="en-US" altLang="zh-CN" sz="1600" dirty="0">
-                          <a:solidFill>
-                            <a:srgbClr val="777777"/>
-                          </a:solidFill>
-                          <a:latin typeface="Consolas" panose="020B0609020204030204" pitchFamily="49" charset="0"/>
-                        </a:rPr>
-                        <a:t>":</a:t>
-                      </a:r>
-                      <a:r>
-                        <a:rPr lang="en-US" altLang="zh-CN" sz="1600" dirty="0">
-                          <a:solidFill>
-                            <a:srgbClr val="333333"/>
-                          </a:solidFill>
-                          <a:latin typeface="Consolas" panose="020B0609020204030204" pitchFamily="49" charset="0"/>
-                        </a:rPr>
-                        <a:t> </a:t>
-                      </a:r>
-                      <a:r>
-                        <a:rPr lang="en-US" altLang="zh-CN" sz="1600" dirty="0">
-                          <a:solidFill>
-                            <a:srgbClr val="777777"/>
-                          </a:solidFill>
-                          <a:latin typeface="Consolas" panose="020B0609020204030204" pitchFamily="49" charset="0"/>
-                        </a:rPr>
-                        <a:t>"</a:t>
-                      </a:r>
-                      <a:r>
-                        <a:rPr lang="en-US" altLang="zh-CN" sz="1600" dirty="0">
-                          <a:solidFill>
-                            <a:srgbClr val="448C27"/>
-                          </a:solidFill>
-                          <a:latin typeface="Consolas" panose="020B0609020204030204" pitchFamily="49" charset="0"/>
-                        </a:rPr>
-                        <a:t>C:</a:t>
-                      </a:r>
-                      <a:r>
-                        <a:rPr lang="en-US" altLang="zh-CN" sz="1600" dirty="0">
-                          <a:solidFill>
-                            <a:srgbClr val="777777"/>
-                          </a:solidFill>
-                          <a:latin typeface="Consolas" panose="020B0609020204030204" pitchFamily="49" charset="0"/>
-                        </a:rPr>
-                        <a:t>\\</a:t>
-                      </a:r>
-                      <a:r>
-                        <a:rPr lang="en-US" altLang="zh-CN" sz="1600" dirty="0">
-                          <a:solidFill>
-                            <a:srgbClr val="448C27"/>
-                          </a:solidFill>
-                          <a:latin typeface="Consolas" panose="020B0609020204030204" pitchFamily="49" charset="0"/>
-                        </a:rPr>
-                        <a:t>WINDOWS</a:t>
-                      </a:r>
-                      <a:r>
-                        <a:rPr lang="en-US" altLang="zh-CN" sz="1600" dirty="0">
-                          <a:solidFill>
-                            <a:srgbClr val="777777"/>
-                          </a:solidFill>
-                          <a:latin typeface="Consolas" panose="020B0609020204030204" pitchFamily="49" charset="0"/>
-                        </a:rPr>
-                        <a:t>\\</a:t>
-                      </a:r>
-                      <a:r>
-                        <a:rPr lang="en-US" altLang="zh-CN" sz="1600" dirty="0">
-                          <a:solidFill>
-                            <a:srgbClr val="448C27"/>
-                          </a:solidFill>
-                          <a:latin typeface="Consolas" panose="020B0609020204030204" pitchFamily="49" charset="0"/>
-                        </a:rPr>
-                        <a:t>System32</a:t>
-                      </a:r>
-                      <a:r>
-                        <a:rPr lang="en-US" altLang="zh-CN" sz="1600" dirty="0">
-                          <a:solidFill>
-                            <a:srgbClr val="777777"/>
-                          </a:solidFill>
-                          <a:latin typeface="Consolas" panose="020B0609020204030204" pitchFamily="49" charset="0"/>
-                        </a:rPr>
-                        <a:t>\\</a:t>
-                      </a:r>
-                      <a:r>
-                        <a:rPr lang="en-US" altLang="zh-CN" sz="1600" dirty="0">
-                          <a:solidFill>
-                            <a:srgbClr val="448C27"/>
-                          </a:solidFill>
-                          <a:latin typeface="Consolas" panose="020B0609020204030204" pitchFamily="49" charset="0"/>
-                        </a:rPr>
-                        <a:t>wsl.exe</a:t>
-                      </a:r>
-                      <a:r>
-                        <a:rPr lang="en-US" altLang="zh-CN" sz="1600" dirty="0">
-                          <a:solidFill>
-                            <a:srgbClr val="777777"/>
-                          </a:solidFill>
-                          <a:latin typeface="Consolas" panose="020B0609020204030204" pitchFamily="49" charset="0"/>
-                        </a:rPr>
-                        <a:t>"</a:t>
-                      </a:r>
-                      <a:endParaRPr lang="en-US" altLang="zh-CN" sz="1600" dirty="0">
-                        <a:solidFill>
-                          <a:srgbClr val="333333"/>
-                        </a:solidFill>
-                        <a:latin typeface="Consolas" panose="020B0609020204030204" pitchFamily="49" charset="0"/>
+                      <a:endParaRPr lang="en-US" altLang="zh-CN" sz="1600" b="0" dirty="0">
+                        <a:latin typeface="Times New Roman" panose="02020603050405020304" pitchFamily="18" charset="0"/>
+                        <a:cs typeface="Times New Roman" panose="02020603050405020304" pitchFamily="18" charset="0"/>
                       </a:endParaRPr>
                     </a:p>
                   </a:txBody>
@@ -5624,6 +5554,36 @@
           </a:graphicData>
         </a:graphic>
       </p:graphicFrame>
+      <p:pic>
+        <p:nvPicPr>
+          <p:cNvPr id="6" name="图片 5">
+            <a:extLst>
+              <a:ext uri="{FF2B5EF4-FFF2-40B4-BE49-F238E27FC236}">
+                <a16:creationId xmlns:a16="http://schemas.microsoft.com/office/drawing/2014/main" id="{78751DF2-BFAE-46E7-8670-D48321194085}"/>
+              </a:ext>
+            </a:extLst>
+          </p:cNvPr>
+          <p:cNvPicPr>
+            <a:picLocks noChangeAspect="1"/>
+          </p:cNvPicPr>
+          <p:nvPr/>
+        </p:nvPicPr>
+        <p:blipFill>
+          <a:blip r:embed="rId3"/>
+          <a:stretch>
+            <a:fillRect/>
+          </a:stretch>
+        </p:blipFill>
+        <p:spPr>
+          <a:xfrm>
+            <a:off x="5598307" y="5890458"/>
+            <a:ext cx="3200000" cy="790476"/>
+          </a:xfrm>
+          <a:prstGeom prst="rect">
+            <a:avLst/>
+          </a:prstGeom>
+        </p:spPr>
+      </p:pic>
     </p:spTree>
     <p:extLst>
       <p:ext uri="{BB962C8B-B14F-4D97-AF65-F5344CB8AC3E}">
@@ -6122,7 +6082,7 @@
         </p:nvGraphicFramePr>
         <p:xfrm>
           <a:off x="472632" y="6284168"/>
-          <a:ext cx="8275832" cy="457200"/>
+          <a:ext cx="8275832" cy="410909"/>
         </p:xfrm>
         <a:graphic>
           <a:graphicData uri="http://schemas.openxmlformats.org/drawingml/2006/table">
@@ -9635,7 +9595,7 @@
         </p:nvGraphicFramePr>
         <p:xfrm>
           <a:off x="472632" y="6172571"/>
-          <a:ext cx="8275832" cy="457200"/>
+          <a:ext cx="8275832" cy="410909"/>
         </p:xfrm>
         <a:graphic>
           <a:graphicData uri="http://schemas.openxmlformats.org/drawingml/2006/table">
@@ -10008,7 +9968,7 @@
         </p:nvGraphicFramePr>
         <p:xfrm>
           <a:off x="472632" y="6172571"/>
-          <a:ext cx="8275832" cy="457200"/>
+          <a:ext cx="8275832" cy="410909"/>
         </p:xfrm>
         <a:graphic>
           <a:graphicData uri="http://schemas.openxmlformats.org/drawingml/2006/table">

--- a/共享资源/「2018-11-09」朋友，你听过 VS Code 吗？.pptx
+++ b/共享资源/「2018-11-09」朋友，你听过 VS Code 吗？.pptx
@@ -3218,7 +3218,7 @@
                 <a:ea typeface="宋体" panose="02010600030101010101" pitchFamily="2" charset="-122"/>
                 <a:cs typeface="+mn-cs"/>
               </a:rPr>
-              <a:t>2019/9/6</a:t>
+              <a:t>2020/4/26</a:t>
             </a:fld>
             <a:endParaRPr kumimoji="0" lang="en-US" altLang="zh-CN" sz="1400" b="0" i="0" u="none" strike="noStrike" kern="1200" cap="none" spc="0" normalizeH="0" baseline="0" noProof="0">
               <a:ln>
@@ -7697,9 +7697,15 @@
       </p:sp>
       <p:pic>
         <p:nvPicPr>
-          <p:cNvPr id="3076" name="Picture 4" descr="demo of preview feature"/>
+          <p:cNvPr id="7" name="图片 6">
+            <a:extLst>
+              <a:ext uri="{FF2B5EF4-FFF2-40B4-BE49-F238E27FC236}">
+                <a16:creationId xmlns:a16="http://schemas.microsoft.com/office/drawing/2014/main" id="{37C26653-47B8-4846-A98C-F39D0FA551C9}"/>
+              </a:ext>
+            </a:extLst>
+          </p:cNvPr>
           <p:cNvPicPr>
-            <a:picLocks noChangeAspect="1" noChangeArrowheads="1" noCrop="1"/>
+            <a:picLocks noChangeAspect="1"/>
           </p:cNvPicPr>
           <p:nvPr/>
         </p:nvPicPr>
@@ -7711,29 +7717,18 @@
               </a:ext>
             </a:extLst>
           </a:blip>
-          <a:srcRect/>
           <a:stretch>
             <a:fillRect/>
           </a:stretch>
         </p:blipFill>
-        <p:spPr bwMode="auto">
+        <p:spPr>
           <a:xfrm>
-            <a:off x="1724844" y="2068418"/>
-            <a:ext cx="5715000" cy="3448051"/>
+            <a:off x="1292762" y="1793316"/>
+            <a:ext cx="6558475" cy="4918857"/>
           </a:xfrm>
           <a:prstGeom prst="rect">
             <a:avLst/>
           </a:prstGeom>
-          <a:noFill/>
-          <a:extLst>
-            <a:ext uri="{909E8E84-426E-40DD-AFC4-6F175D3DCCD1}">
-              <a14:hiddenFill xmlns:a14="http://schemas.microsoft.com/office/drawing/2010/main">
-                <a:solidFill>
-                  <a:srgbClr val="FFFFFF"/>
-                </a:solidFill>
-              </a14:hiddenFill>
-            </a:ext>
-          </a:extLst>
         </p:spPr>
       </p:pic>
     </p:spTree>
